--- a/files/slides/lecture_15.pptx
+++ b/files/slides/lecture_15.pptx
@@ -8597,7 +8597,7 @@
                     <a:noFill/>
                   </a:ln>
                   <a:solidFill>
-                    <a:srgbClr val="FF0000"/>
+                    <a:schemeClr val="tx1"/>
                   </a:solidFill>
                   <a:effectLst/>
                   <a:uLnTx/>
@@ -8613,7 +8613,7 @@
                   <a:noFill/>
                 </a:ln>
                 <a:solidFill>
-                  <a:srgbClr val="FF0000"/>
+                  <a:schemeClr val="tx1"/>
                 </a:solidFill>
                 <a:effectLst/>
                 <a:uLnTx/>
@@ -8648,7 +8648,7 @@
                     <a:noFill/>
                   </a:ln>
                   <a:solidFill>
-                    <a:srgbClr val="FF0000"/>
+                    <a:schemeClr val="tx1"/>
                   </a:solidFill>
                   <a:effectLst/>
                   <a:uLnTx/>
@@ -8659,12 +8659,12 @@
                 </a:rPr>
                 <a:t>录进行维护</a:t>
               </a:r>
-              <a:endParaRPr kumimoji="0" lang="en-US" sz="2400" b="1" i="0" u="none" strike="noStrike" kern="1200" cap="none" spc="0" normalizeH="0" baseline="0" noProof="0" dirty="0">
+              <a:endParaRPr kumimoji="0" lang="zh-CN" altLang="zh-CN" sz="2400" b="1" i="0" u="none" strike="noStrike" kern="1200" cap="none" spc="0" normalizeH="0" baseline="0" noProof="0" dirty="0">
                 <a:ln>
                   <a:noFill/>
                 </a:ln>
                 <a:solidFill>
-                  <a:srgbClr val="FF0000"/>
+                  <a:schemeClr val="tx1"/>
                 </a:solidFill>
                 <a:effectLst/>
                 <a:uLnTx/>
@@ -9060,7 +9060,7 @@
                     <a:noFill/>
                   </a:ln>
                   <a:solidFill>
-                    <a:srgbClr val="FF0000"/>
+                    <a:schemeClr val="tx1"/>
                   </a:solidFill>
                   <a:effectLst/>
                   <a:uLnTx/>
@@ -9076,7 +9076,7 @@
                   <a:noFill/>
                 </a:ln>
                 <a:solidFill>
-                  <a:srgbClr val="FF0000"/>
+                  <a:schemeClr val="tx1"/>
                 </a:solidFill>
                 <a:effectLst/>
                 <a:uLnTx/>
@@ -9714,7 +9714,7 @@
           <p:spPr>
             <a:xfrm>
               <a:off x="1273" y="3150"/>
-              <a:ext cx="2625" cy="1075"/>
+              <a:ext cx="2625" cy="1073"/>
             </a:xfrm>
             <a:prstGeom prst="rect">
               <a:avLst/>
@@ -9750,7 +9750,7 @@
                     <a:noFill/>
                   </a:ln>
                   <a:solidFill>
-                    <a:srgbClr val="FF0000"/>
+                    <a:schemeClr val="tx1"/>
                   </a:solidFill>
                   <a:effectLst/>
                   <a:uLnTx/>
@@ -9766,7 +9766,7 @@
                   <a:noFill/>
                 </a:ln>
                 <a:solidFill>
-                  <a:srgbClr val="FF0000"/>
+                  <a:schemeClr val="tx1"/>
                 </a:solidFill>
                 <a:effectLst/>
                 <a:uLnTx/>
@@ -12640,7 +12640,7 @@
               <a:r>
                 <a:rPr lang="zh-CN" altLang="en-US" sz="2000">
                   <a:solidFill>
-                    <a:schemeClr val="tx2"/>
+                    <a:schemeClr val="tx1"/>
                   </a:solidFill>
                   <a:latin typeface="微软雅黑" panose="020B0503020204020204" charset="-122"/>
                   <a:ea typeface="微软雅黑" panose="020B0503020204020204" charset="-122"/>
@@ -12651,7 +12651,7 @@
               <a:br>
                 <a:rPr lang="zh-CN" altLang="en-US" sz="2000">
                   <a:solidFill>
-                    <a:schemeClr val="tx2"/>
+                    <a:schemeClr val="tx1"/>
                   </a:solidFill>
                   <a:latin typeface="微软雅黑" panose="020B0503020204020204" charset="-122"/>
                   <a:ea typeface="微软雅黑" panose="020B0503020204020204" charset="-122"/>
@@ -12661,7 +12661,7 @@
               <a:br>
                 <a:rPr lang="zh-CN" altLang="en-US" sz="2000">
                   <a:solidFill>
-                    <a:schemeClr val="tx2"/>
+                    <a:schemeClr val="tx1"/>
                   </a:solidFill>
                   <a:latin typeface="微软雅黑" panose="020B0503020204020204" charset="-122"/>
                   <a:ea typeface="微软雅黑" panose="020B0503020204020204" charset="-122"/>
@@ -12671,7 +12671,7 @@
               <a:r>
                 <a:rPr lang="zh-CN" altLang="en-US" sz="2000">
                   <a:solidFill>
-                    <a:schemeClr val="tx2"/>
+                    <a:schemeClr val="tx1"/>
                   </a:solidFill>
                   <a:latin typeface="微软雅黑" panose="020B0503020204020204" charset="-122"/>
                   <a:ea typeface="微软雅黑" panose="020B0503020204020204" charset="-122"/>
@@ -12682,7 +12682,7 @@
               <a:br>
                 <a:rPr lang="zh-CN" altLang="en-US" sz="2000">
                   <a:solidFill>
-                    <a:schemeClr val="tx2"/>
+                    <a:schemeClr val="tx1"/>
                   </a:solidFill>
                   <a:latin typeface="微软雅黑" panose="020B0503020204020204" charset="-122"/>
                   <a:ea typeface="微软雅黑" panose="020B0503020204020204" charset="-122"/>
@@ -12692,7 +12692,7 @@
               <a:br>
                 <a:rPr lang="zh-CN" altLang="en-US" sz="2000">
                   <a:solidFill>
-                    <a:schemeClr val="tx2"/>
+                    <a:schemeClr val="tx1"/>
                   </a:solidFill>
                   <a:latin typeface="微软雅黑" panose="020B0503020204020204" charset="-122"/>
                   <a:ea typeface="微软雅黑" panose="020B0503020204020204" charset="-122"/>
@@ -12702,7 +12702,7 @@
               <a:r>
                 <a:rPr lang="zh-CN" altLang="en-US" sz="2000">
                   <a:solidFill>
-                    <a:schemeClr val="tx2"/>
+                    <a:schemeClr val="tx1"/>
                   </a:solidFill>
                   <a:latin typeface="微软雅黑" panose="020B0503020204020204" charset="-122"/>
                   <a:ea typeface="微软雅黑" panose="020B0503020204020204" charset="-122"/>
@@ -12713,7 +12713,7 @@
               <a:br>
                 <a:rPr lang="zh-CN" altLang="en-US" sz="2000">
                   <a:solidFill>
-                    <a:schemeClr val="tx2"/>
+                    <a:schemeClr val="tx1"/>
                   </a:solidFill>
                   <a:latin typeface="微软雅黑" panose="020B0503020204020204" charset="-122"/>
                   <a:ea typeface="微软雅黑" panose="020B0503020204020204" charset="-122"/>
@@ -12723,7 +12723,7 @@
               <a:br>
                 <a:rPr lang="zh-CN" altLang="en-US" sz="2000">
                   <a:solidFill>
-                    <a:schemeClr val="tx2"/>
+                    <a:schemeClr val="tx1"/>
                   </a:solidFill>
                   <a:latin typeface="微软雅黑" panose="020B0503020204020204" charset="-122"/>
                   <a:ea typeface="微软雅黑" panose="020B0503020204020204" charset="-122"/>
@@ -12733,7 +12733,7 @@
               <a:r>
                 <a:rPr lang="zh-CN" altLang="en-US" sz="2000">
                   <a:solidFill>
-                    <a:schemeClr val="tx2"/>
+                    <a:schemeClr val="tx1"/>
                   </a:solidFill>
                   <a:latin typeface="微软雅黑" panose="020B0503020204020204" charset="-122"/>
                   <a:ea typeface="微软雅黑" panose="020B0503020204020204" charset="-122"/>
@@ -12744,7 +12744,7 @@
               <a:br>
                 <a:rPr lang="zh-CN" altLang="en-US" sz="2000">
                   <a:solidFill>
-                    <a:schemeClr val="tx2"/>
+                    <a:schemeClr val="tx1"/>
                   </a:solidFill>
                   <a:latin typeface="微软雅黑" panose="020B0503020204020204" charset="-122"/>
                   <a:ea typeface="微软雅黑" panose="020B0503020204020204" charset="-122"/>
@@ -12754,7 +12754,7 @@
               <a:br>
                 <a:rPr lang="zh-CN" altLang="en-US" sz="2000">
                   <a:solidFill>
-                    <a:schemeClr val="tx2"/>
+                    <a:schemeClr val="tx1"/>
                   </a:solidFill>
                   <a:latin typeface="微软雅黑" panose="020B0503020204020204" charset="-122"/>
                   <a:ea typeface="微软雅黑" panose="020B0503020204020204" charset="-122"/>
@@ -12764,7 +12764,7 @@
               <a:r>
                 <a:rPr lang="zh-CN" altLang="en-US" sz="2000">
                   <a:solidFill>
-                    <a:schemeClr val="tx2"/>
+                    <a:schemeClr val="tx1"/>
                   </a:solidFill>
                   <a:latin typeface="微软雅黑" panose="020B0503020204020204" charset="-122"/>
                   <a:ea typeface="微软雅黑" panose="020B0503020204020204" charset="-122"/>
@@ -12825,7 +12825,12 @@
             </a:ln>
           </p:spPr>
           <p:txBody>
-            <a:bodyPr anchor="b"/>
+            <a:bodyPr anchor="b">
+              <a:scene3d>
+                <a:camera prst="orthographicFront"/>
+                <a:lightRig rig="threePt" dir="t"/>
+              </a:scene3d>
+            </a:bodyPr>
             <a:lstStyle>
               <a:lvl1pPr marL="0" indent="0" algn="l" rtl="0" eaLnBrk="0" fontAlgn="base" hangingPunct="0">
                 <a:spcBef>
@@ -12987,38 +12992,34 @@
             <a:p>
               <a:r>
                 <a:rPr lang="zh-CN" altLang="en-US" sz="3200">
-                  <a:ln w="22225">
-                    <a:solidFill>
-                      <a:schemeClr val="accent2"/>
-                    </a:solidFill>
-                    <a:prstDash val="solid"/>
-                  </a:ln>
+                  <a:ln/>
                   <a:solidFill>
-                    <a:schemeClr val="accent2">
-                      <a:lumMod val="40000"/>
-                      <a:lumOff val="60000"/>
-                    </a:schemeClr>
+                    <a:schemeClr val="tx1"/>
                   </a:solidFill>
-                  <a:effectLst/>
+                  <a:effectLst>
+                    <a:outerShdw blurRad="38100" dist="19050" dir="2700000" algn="tl" rotWithShape="0">
+                      <a:schemeClr val="dk1">
+                        <a:alpha val="40000"/>
+                      </a:schemeClr>
+                    </a:outerShdw>
+                  </a:effectLst>
                   <a:latin typeface="微软雅黑" panose="020B0503020204020204" charset="-122"/>
                   <a:ea typeface="微软雅黑" panose="020B0503020204020204" charset="-122"/>
                 </a:rPr>
                 <a:t>商家防范个人消费信用风险的措施</a:t>
               </a:r>
               <a:endParaRPr lang="zh-CN" altLang="en-US" sz="3200">
-                <a:ln w="22225">
-                  <a:solidFill>
-                    <a:schemeClr val="accent2"/>
-                  </a:solidFill>
-                  <a:prstDash val="solid"/>
-                </a:ln>
+                <a:ln/>
                 <a:solidFill>
-                  <a:schemeClr val="accent2">
-                    <a:lumMod val="40000"/>
-                    <a:lumOff val="60000"/>
-                  </a:schemeClr>
+                  <a:schemeClr val="tx1"/>
                 </a:solidFill>
-                <a:effectLst/>
+                <a:effectLst>
+                  <a:outerShdw blurRad="38100" dist="19050" dir="2700000" algn="tl" rotWithShape="0">
+                    <a:schemeClr val="dk1">
+                      <a:alpha val="40000"/>
+                    </a:schemeClr>
+                  </a:outerShdw>
+                </a:effectLst>
                 <a:latin typeface="微软雅黑" panose="020B0503020204020204" charset="-122"/>
                 <a:ea typeface="微软雅黑" panose="020B0503020204020204" charset="-122"/>
               </a:endParaRPr>
@@ -14760,7 +14761,41 @@
                 <a:ea typeface="微软雅黑" panose="020B0503020204020204" charset="-122"/>
                 <a:cs typeface="微软雅黑" panose="020B0503020204020204" charset="-122"/>
               </a:rPr>
-              <a:t>掌握个人信用评价方法，了解提升个人信用等级的途径</a:t>
+              <a:t>掌握</a:t>
+            </a:r>
+            <a:r>
+              <a:rPr kumimoji="0" lang="zh-CN" altLang="en-US" sz="2400" b="1" i="0" u="none" strike="noStrike" kern="1200" cap="none" spc="0" normalizeH="0" baseline="0" noProof="0" dirty="0">
+                <a:ln>
+                  <a:noFill/>
+                </a:ln>
+                <a:solidFill>
+                  <a:schemeClr val="tx1"/>
+                </a:solidFill>
+                <a:effectLst/>
+                <a:uLnTx/>
+                <a:uFillTx/>
+                <a:latin typeface="微软雅黑" panose="020B0503020204020204" charset="-122"/>
+                <a:ea typeface="微软雅黑" panose="020B0503020204020204" charset="-122"/>
+                <a:cs typeface="微软雅黑" panose="020B0503020204020204" charset="-122"/>
+              </a:rPr>
+              <a:t>个人信用评价方法</a:t>
+            </a:r>
+            <a:r>
+              <a:rPr kumimoji="0" lang="zh-CN" altLang="en-US" sz="2400" i="0" u="none" strike="noStrike" kern="1200" cap="none" spc="0" normalizeH="0" baseline="0" noProof="0" dirty="0">
+                <a:ln>
+                  <a:noFill/>
+                </a:ln>
+                <a:solidFill>
+                  <a:schemeClr val="tx1"/>
+                </a:solidFill>
+                <a:effectLst/>
+                <a:uLnTx/>
+                <a:uFillTx/>
+                <a:latin typeface="微软雅黑" panose="020B0503020204020204" charset="-122"/>
+                <a:ea typeface="微软雅黑" panose="020B0503020204020204" charset="-122"/>
+                <a:cs typeface="微软雅黑" panose="020B0503020204020204" charset="-122"/>
+              </a:rPr>
+              <a:t>，了解提升个人信用等级的途径</a:t>
             </a:r>
             <a:endParaRPr kumimoji="0" lang="zh-CN" altLang="en-US" sz="2400" i="0" u="none" strike="noStrike" kern="1200" cap="none" spc="0" normalizeH="0" baseline="0" noProof="0" dirty="0">
               <a:ln>
@@ -21191,7 +21226,7 @@
                   <a:noFill/>
                 </a:ln>
                 <a:solidFill>
-                  <a:srgbClr val="FF0000"/>
+                  <a:srgbClr val="00B0F0"/>
                 </a:solidFill>
                 <a:effectLst/>
                 <a:uLnTx/>
@@ -21276,7 +21311,7 @@
                   <a:noFill/>
                 </a:ln>
                 <a:solidFill>
-                  <a:srgbClr val="FF0000"/>
+                  <a:srgbClr val="00B0F0"/>
                 </a:solidFill>
                 <a:effectLst/>
                 <a:uLnTx/>
@@ -21310,7 +21345,7 @@
                   <a:noFill/>
                 </a:ln>
                 <a:solidFill>
-                  <a:srgbClr val="FF0000"/>
+                  <a:srgbClr val="00B0F0"/>
                 </a:solidFill>
                 <a:effectLst/>
                 <a:uLnTx/>
@@ -21395,7 +21430,7 @@
                   <a:noFill/>
                 </a:ln>
                 <a:solidFill>
-                  <a:srgbClr val="FF0000"/>
+                  <a:srgbClr val="00B0F0"/>
                 </a:solidFill>
                 <a:effectLst/>
                 <a:uLnTx/>
@@ -28469,7 +28504,7 @@
               <a:r>
                 <a:rPr lang="zh-CN" altLang="en-US" sz="1800" b="1" dirty="0">
                   <a:solidFill>
-                    <a:srgbClr val="FF0000"/>
+                    <a:schemeClr val="tx1"/>
                   </a:solidFill>
                   <a:latin typeface="微软雅黑" panose="020B0503020204020204" charset="-122"/>
                   <a:ea typeface="微软雅黑" panose="020B0503020204020204" charset="-122"/>
@@ -28479,7 +28514,7 @@
               </a:r>
               <a:endParaRPr lang="zh-CN" altLang="en-US" sz="1800" b="1" dirty="0">
                 <a:solidFill>
-                  <a:srgbClr val="FF0000"/>
+                  <a:schemeClr val="tx1"/>
                 </a:solidFill>
                 <a:latin typeface="微软雅黑" panose="020B0503020204020204" charset="-122"/>
                 <a:ea typeface="微软雅黑" panose="020B0503020204020204" charset="-122"/>
@@ -29113,13 +29148,24 @@
               <a:r>
                 <a:rPr lang="zh-CN" altLang="en-US" sz="1800" b="1" dirty="0">
                   <a:solidFill>
+                    <a:schemeClr val="tx1"/>
+                  </a:solidFill>
+                  <a:latin typeface="微软雅黑" panose="020B0503020204020204" charset="-122"/>
+                  <a:ea typeface="微软雅黑" panose="020B0503020204020204" charset="-122"/>
+                  <a:cs typeface="微软雅黑" panose="020B0503020204020204" charset="-122"/>
+                </a:rPr>
+                <a:t>商帐处理</a:t>
+              </a:r>
+              <a:r>
+                <a:rPr lang="zh-CN" altLang="en-US" sz="1800" b="1" dirty="0">
+                  <a:solidFill>
                     <a:srgbClr val="FF0000"/>
                   </a:solidFill>
                   <a:latin typeface="微软雅黑" panose="020B0503020204020204" charset="-122"/>
                   <a:ea typeface="微软雅黑" panose="020B0503020204020204" charset="-122"/>
                   <a:cs typeface="微软雅黑" panose="020B0503020204020204" charset="-122"/>
                 </a:rPr>
-                <a:t>商帐处理 </a:t>
+                <a:t> </a:t>
               </a:r>
               <a:endParaRPr lang="zh-CN" altLang="en-US" sz="1800" b="1" dirty="0">
                 <a:solidFill>
@@ -29285,13 +29331,24 @@
               <a:r>
                 <a:rPr lang="zh-CN" altLang="en-US" sz="1800" b="1" dirty="0">
                   <a:solidFill>
+                    <a:schemeClr val="tx1"/>
+                  </a:solidFill>
+                  <a:latin typeface="微软雅黑" panose="020B0503020204020204" charset="-122"/>
+                  <a:ea typeface="微软雅黑" panose="020B0503020204020204" charset="-122"/>
+                  <a:cs typeface="微软雅黑" panose="020B0503020204020204" charset="-122"/>
+                </a:rPr>
+                <a:t>帐户管理</a:t>
+              </a:r>
+              <a:r>
+                <a:rPr lang="zh-CN" altLang="en-US" sz="1800" b="1" dirty="0">
+                  <a:solidFill>
                     <a:srgbClr val="FF0000"/>
                   </a:solidFill>
                   <a:latin typeface="微软雅黑" panose="020B0503020204020204" charset="-122"/>
                   <a:ea typeface="微软雅黑" panose="020B0503020204020204" charset="-122"/>
                   <a:cs typeface="微软雅黑" panose="020B0503020204020204" charset="-122"/>
                 </a:rPr>
-                <a:t>帐户管理 </a:t>
+                <a:t> </a:t>
               </a:r>
               <a:endParaRPr lang="zh-CN" altLang="en-US" sz="1800" b="1" dirty="0">
                 <a:solidFill>
@@ -29794,7 +29851,7 @@
             <a:r>
               <a:rPr lang="zh-CN" altLang="en-US" sz="2000">
                 <a:solidFill>
-                  <a:srgbClr val="FF0000"/>
+                  <a:srgbClr val="00B0F0"/>
                 </a:solidFill>
                 <a:latin typeface="微软雅黑" panose="020B0503020204020204" charset="-122"/>
                 <a:ea typeface="微软雅黑" panose="020B0503020204020204" charset="-122"/>
@@ -29811,7 +29868,7 @@
             <a:r>
               <a:rPr lang="zh-CN" altLang="en-US" sz="2000">
                 <a:solidFill>
-                  <a:srgbClr val="FF0000"/>
+                  <a:srgbClr val="00B0F0"/>
                 </a:solidFill>
                 <a:latin typeface="微软雅黑" panose="020B0503020204020204" charset="-122"/>
                 <a:ea typeface="微软雅黑" panose="020B0503020204020204" charset="-122"/>
@@ -29828,7 +29885,7 @@
             <a:r>
               <a:rPr lang="zh-CN" altLang="en-US" sz="2000">
                 <a:solidFill>
-                  <a:srgbClr val="FF0000"/>
+                  <a:srgbClr val="00B0F0"/>
                 </a:solidFill>
                 <a:latin typeface="微软雅黑" panose="020B0503020204020204" charset="-122"/>
                 <a:ea typeface="微软雅黑" panose="020B0503020204020204" charset="-122"/>
@@ -29845,7 +29902,7 @@
             <a:r>
               <a:rPr lang="zh-CN" altLang="en-US" sz="2000">
                 <a:solidFill>
-                  <a:srgbClr val="FF0000"/>
+                  <a:srgbClr val="00B0F0"/>
                 </a:solidFill>
                 <a:latin typeface="微软雅黑" panose="020B0503020204020204" charset="-122"/>
                 <a:ea typeface="微软雅黑" panose="020B0503020204020204" charset="-122"/>

--- a/files/slides/lecture_15.pptx
+++ b/files/slides/lecture_15.pptx
@@ -12992,7 +12992,6 @@
             <a:p>
               <a:r>
                 <a:rPr lang="zh-CN" altLang="en-US" sz="3200">
-                  <a:ln/>
                   <a:solidFill>
                     <a:schemeClr val="tx1"/>
                   </a:solidFill>
@@ -13009,7 +13008,6 @@
                 <a:t>商家防范个人消费信用风险的措施</a:t>
               </a:r>
               <a:endParaRPr lang="zh-CN" altLang="en-US" sz="3200">
-                <a:ln/>
                 <a:solidFill>
                   <a:schemeClr val="tx1"/>
                 </a:solidFill>
